--- a/ppt 16-9/0361.虚空的尘世.pptx
+++ b/ppt 16-9/0361.虚空的尘世.pptx
@@ -129,7 +129,7 @@
           <p:cNvPr id="2" name="标题 1">
             <a:extLst>
               <a:ext uri="{FF2B5EF4-FFF2-40B4-BE49-F238E27FC236}">
-                <a16:creationId xmlns:a16="http://schemas.microsoft.com/office/drawing/2014/main" id="{32DDC4A3-1E67-91EC-4DC6-87042CD9069C}"/>
+                <a16:creationId xmlns:a16="http://schemas.microsoft.com/office/drawing/2014/main" id="{D73961C3-A91D-3FFF-B3AB-6C53BC522E18}"/>
               </a:ext>
             </a:extLst>
           </p:cNvPr>
@@ -166,7 +166,7 @@
           <p:cNvPr id="3" name="副标题 2">
             <a:extLst>
               <a:ext uri="{FF2B5EF4-FFF2-40B4-BE49-F238E27FC236}">
-                <a16:creationId xmlns:a16="http://schemas.microsoft.com/office/drawing/2014/main" id="{57E08BB3-601A-B035-4459-092AD0CCC2BC}"/>
+                <a16:creationId xmlns:a16="http://schemas.microsoft.com/office/drawing/2014/main" id="{30A7A82D-49A3-4816-D4C2-571FAC783D9A}"/>
               </a:ext>
             </a:extLst>
           </p:cNvPr>
@@ -236,7 +236,7 @@
           <p:cNvPr id="4" name="日期占位符 3">
             <a:extLst>
               <a:ext uri="{FF2B5EF4-FFF2-40B4-BE49-F238E27FC236}">
-                <a16:creationId xmlns:a16="http://schemas.microsoft.com/office/drawing/2014/main" id="{299236FB-9135-62C9-D8DD-355CBEA53F2B}"/>
+                <a16:creationId xmlns:a16="http://schemas.microsoft.com/office/drawing/2014/main" id="{B4E149CC-2310-6ECD-3148-0A21F69861E8}"/>
               </a:ext>
             </a:extLst>
           </p:cNvPr>
@@ -252,7 +252,7 @@
           <a:bodyPr/>
           <a:lstStyle/>
           <a:p>
-            <a:fld id="{0E700C68-368E-443E-967B-6F2332071E4F}" type="datetimeFigureOut">
+            <a:fld id="{C514E188-5BD0-4683-BECF-481A610F9154}" type="datetimeFigureOut">
               <a:rPr lang="zh-CN" altLang="en-US" smtClean="0"/>
               <a:t>2024/3/10</a:t>
             </a:fld>
@@ -265,7 +265,7 @@
           <p:cNvPr id="5" name="页脚占位符 4">
             <a:extLst>
               <a:ext uri="{FF2B5EF4-FFF2-40B4-BE49-F238E27FC236}">
-                <a16:creationId xmlns:a16="http://schemas.microsoft.com/office/drawing/2014/main" id="{24BB0F9B-BEC5-D47E-FE68-237462970E30}"/>
+                <a16:creationId xmlns:a16="http://schemas.microsoft.com/office/drawing/2014/main" id="{072CC165-CDD2-4838-B700-AD4545527E38}"/>
               </a:ext>
             </a:extLst>
           </p:cNvPr>
@@ -290,7 +290,7 @@
           <p:cNvPr id="6" name="灯片编号占位符 5">
             <a:extLst>
               <a:ext uri="{FF2B5EF4-FFF2-40B4-BE49-F238E27FC236}">
-                <a16:creationId xmlns:a16="http://schemas.microsoft.com/office/drawing/2014/main" id="{0F4C1FDF-040D-F5F8-AD45-1A3C3C31F006}"/>
+                <a16:creationId xmlns:a16="http://schemas.microsoft.com/office/drawing/2014/main" id="{5FC77B79-67A8-5110-C845-D6A2208F573B}"/>
               </a:ext>
             </a:extLst>
           </p:cNvPr>
@@ -306,7 +306,7 @@
           <a:bodyPr/>
           <a:lstStyle/>
           <a:p>
-            <a:fld id="{EE0076CA-6851-4162-98CB-856832D9BC6A}" type="slidenum">
+            <a:fld id="{C784B9A7-A7A7-4C1A-861B-C1CD1806C362}" type="slidenum">
               <a:rPr lang="zh-CN" altLang="en-US" smtClean="0"/>
               <a:t>‹#›</a:t>
             </a:fld>
@@ -317,7 +317,7 @@
     </p:spTree>
     <p:extLst>
       <p:ext uri="{BB962C8B-B14F-4D97-AF65-F5344CB8AC3E}">
-        <p14:creationId xmlns:p14="http://schemas.microsoft.com/office/powerpoint/2010/main" val="31198436"/>
+        <p14:creationId xmlns:p14="http://schemas.microsoft.com/office/powerpoint/2010/main" val="2589466335"/>
       </p:ext>
     </p:extLst>
   </p:cSld>
@@ -349,7 +349,7 @@
           <p:cNvPr id="2" name="标题 1">
             <a:extLst>
               <a:ext uri="{FF2B5EF4-FFF2-40B4-BE49-F238E27FC236}">
-                <a16:creationId xmlns:a16="http://schemas.microsoft.com/office/drawing/2014/main" id="{33A3788C-F27B-B888-D96C-266358327D06}"/>
+                <a16:creationId xmlns:a16="http://schemas.microsoft.com/office/drawing/2014/main" id="{D9CB542B-C16B-C94D-D6A5-C50EE06D1EBD}"/>
               </a:ext>
             </a:extLst>
           </p:cNvPr>
@@ -377,7 +377,7 @@
           <p:cNvPr id="3" name="竖排文字占位符 2">
             <a:extLst>
               <a:ext uri="{FF2B5EF4-FFF2-40B4-BE49-F238E27FC236}">
-                <a16:creationId xmlns:a16="http://schemas.microsoft.com/office/drawing/2014/main" id="{661B4491-DA92-8099-7E9F-F444A4062D41}"/>
+                <a16:creationId xmlns:a16="http://schemas.microsoft.com/office/drawing/2014/main" id="{F38E7F87-EEE3-09E9-A445-1BDA2A14920E}"/>
               </a:ext>
             </a:extLst>
           </p:cNvPr>
@@ -434,7 +434,7 @@
           <p:cNvPr id="4" name="日期占位符 3">
             <a:extLst>
               <a:ext uri="{FF2B5EF4-FFF2-40B4-BE49-F238E27FC236}">
-                <a16:creationId xmlns:a16="http://schemas.microsoft.com/office/drawing/2014/main" id="{1AF513AA-50FA-49A3-DEEB-54EBE0A0EA02}"/>
+                <a16:creationId xmlns:a16="http://schemas.microsoft.com/office/drawing/2014/main" id="{3877DAF1-7E80-2531-0857-6A0D68609C10}"/>
               </a:ext>
             </a:extLst>
           </p:cNvPr>
@@ -450,7 +450,7 @@
           <a:bodyPr/>
           <a:lstStyle/>
           <a:p>
-            <a:fld id="{0E700C68-368E-443E-967B-6F2332071E4F}" type="datetimeFigureOut">
+            <a:fld id="{C514E188-5BD0-4683-BECF-481A610F9154}" type="datetimeFigureOut">
               <a:rPr lang="zh-CN" altLang="en-US" smtClean="0"/>
               <a:t>2024/3/10</a:t>
             </a:fld>
@@ -463,7 +463,7 @@
           <p:cNvPr id="5" name="页脚占位符 4">
             <a:extLst>
               <a:ext uri="{FF2B5EF4-FFF2-40B4-BE49-F238E27FC236}">
-                <a16:creationId xmlns:a16="http://schemas.microsoft.com/office/drawing/2014/main" id="{F20E04A4-EF05-69AD-7BFC-2379A27E3E77}"/>
+                <a16:creationId xmlns:a16="http://schemas.microsoft.com/office/drawing/2014/main" id="{11069BE5-ED23-0EE1-471C-919E6EEF71DA}"/>
               </a:ext>
             </a:extLst>
           </p:cNvPr>
@@ -488,7 +488,7 @@
           <p:cNvPr id="6" name="灯片编号占位符 5">
             <a:extLst>
               <a:ext uri="{FF2B5EF4-FFF2-40B4-BE49-F238E27FC236}">
-                <a16:creationId xmlns:a16="http://schemas.microsoft.com/office/drawing/2014/main" id="{9AB99FF7-F565-9EFB-CF4E-F12F7B0FE07F}"/>
+                <a16:creationId xmlns:a16="http://schemas.microsoft.com/office/drawing/2014/main" id="{B07E6113-2526-A8DD-828E-C81485E611C8}"/>
               </a:ext>
             </a:extLst>
           </p:cNvPr>
@@ -504,7 +504,7 @@
           <a:bodyPr/>
           <a:lstStyle/>
           <a:p>
-            <a:fld id="{EE0076CA-6851-4162-98CB-856832D9BC6A}" type="slidenum">
+            <a:fld id="{C784B9A7-A7A7-4C1A-861B-C1CD1806C362}" type="slidenum">
               <a:rPr lang="zh-CN" altLang="en-US" smtClean="0"/>
               <a:t>‹#›</a:t>
             </a:fld>
@@ -515,7 +515,7 @@
     </p:spTree>
     <p:extLst>
       <p:ext uri="{BB962C8B-B14F-4D97-AF65-F5344CB8AC3E}">
-        <p14:creationId xmlns:p14="http://schemas.microsoft.com/office/powerpoint/2010/main" val="2619090371"/>
+        <p14:creationId xmlns:p14="http://schemas.microsoft.com/office/powerpoint/2010/main" val="2815694593"/>
       </p:ext>
     </p:extLst>
   </p:cSld>
@@ -547,7 +547,7 @@
           <p:cNvPr id="2" name="竖排标题 1">
             <a:extLst>
               <a:ext uri="{FF2B5EF4-FFF2-40B4-BE49-F238E27FC236}">
-                <a16:creationId xmlns:a16="http://schemas.microsoft.com/office/drawing/2014/main" id="{5BBF05A0-4E05-F1AE-177D-65F1DAEA57E1}"/>
+                <a16:creationId xmlns:a16="http://schemas.microsoft.com/office/drawing/2014/main" id="{51EFBD55-D4A2-F64D-2CF1-3F4138C5B5A3}"/>
               </a:ext>
             </a:extLst>
           </p:cNvPr>
@@ -580,7 +580,7 @@
           <p:cNvPr id="3" name="竖排文字占位符 2">
             <a:extLst>
               <a:ext uri="{FF2B5EF4-FFF2-40B4-BE49-F238E27FC236}">
-                <a16:creationId xmlns:a16="http://schemas.microsoft.com/office/drawing/2014/main" id="{F8B1CC00-F71E-BBB7-34C4-AE6E4D6E6D1C}"/>
+                <a16:creationId xmlns:a16="http://schemas.microsoft.com/office/drawing/2014/main" id="{B8ADEDA8-5010-52B6-345C-4AB84027D099}"/>
               </a:ext>
             </a:extLst>
           </p:cNvPr>
@@ -642,7 +642,7 @@
           <p:cNvPr id="4" name="日期占位符 3">
             <a:extLst>
               <a:ext uri="{FF2B5EF4-FFF2-40B4-BE49-F238E27FC236}">
-                <a16:creationId xmlns:a16="http://schemas.microsoft.com/office/drawing/2014/main" id="{898EF98A-171B-4C31-416F-94F59E910623}"/>
+                <a16:creationId xmlns:a16="http://schemas.microsoft.com/office/drawing/2014/main" id="{02DDB6A0-43F4-697B-83FD-48697E057E3E}"/>
               </a:ext>
             </a:extLst>
           </p:cNvPr>
@@ -658,7 +658,7 @@
           <a:bodyPr/>
           <a:lstStyle/>
           <a:p>
-            <a:fld id="{0E700C68-368E-443E-967B-6F2332071E4F}" type="datetimeFigureOut">
+            <a:fld id="{C514E188-5BD0-4683-BECF-481A610F9154}" type="datetimeFigureOut">
               <a:rPr lang="zh-CN" altLang="en-US" smtClean="0"/>
               <a:t>2024/3/10</a:t>
             </a:fld>
@@ -671,7 +671,7 @@
           <p:cNvPr id="5" name="页脚占位符 4">
             <a:extLst>
               <a:ext uri="{FF2B5EF4-FFF2-40B4-BE49-F238E27FC236}">
-                <a16:creationId xmlns:a16="http://schemas.microsoft.com/office/drawing/2014/main" id="{FB3D7ADB-7DEC-B388-8848-9357559A5920}"/>
+                <a16:creationId xmlns:a16="http://schemas.microsoft.com/office/drawing/2014/main" id="{54F604D5-2B7D-50B7-B182-7A13D118055F}"/>
               </a:ext>
             </a:extLst>
           </p:cNvPr>
@@ -696,7 +696,7 @@
           <p:cNvPr id="6" name="灯片编号占位符 5">
             <a:extLst>
               <a:ext uri="{FF2B5EF4-FFF2-40B4-BE49-F238E27FC236}">
-                <a16:creationId xmlns:a16="http://schemas.microsoft.com/office/drawing/2014/main" id="{6EB5EA6F-AA5A-FCCB-DD60-000B2A389727}"/>
+                <a16:creationId xmlns:a16="http://schemas.microsoft.com/office/drawing/2014/main" id="{199B2F30-F1B2-D867-ACBB-7319DA6CC723}"/>
               </a:ext>
             </a:extLst>
           </p:cNvPr>
@@ -712,7 +712,7 @@
           <a:bodyPr/>
           <a:lstStyle/>
           <a:p>
-            <a:fld id="{EE0076CA-6851-4162-98CB-856832D9BC6A}" type="slidenum">
+            <a:fld id="{C784B9A7-A7A7-4C1A-861B-C1CD1806C362}" type="slidenum">
               <a:rPr lang="zh-CN" altLang="en-US" smtClean="0"/>
               <a:t>‹#›</a:t>
             </a:fld>
@@ -723,7 +723,7 @@
     </p:spTree>
     <p:extLst>
       <p:ext uri="{BB962C8B-B14F-4D97-AF65-F5344CB8AC3E}">
-        <p14:creationId xmlns:p14="http://schemas.microsoft.com/office/powerpoint/2010/main" val="246588201"/>
+        <p14:creationId xmlns:p14="http://schemas.microsoft.com/office/powerpoint/2010/main" val="2955185470"/>
       </p:ext>
     </p:extLst>
   </p:cSld>
@@ -755,7 +755,7 @@
           <p:cNvPr id="2" name="标题 1">
             <a:extLst>
               <a:ext uri="{FF2B5EF4-FFF2-40B4-BE49-F238E27FC236}">
-                <a16:creationId xmlns:a16="http://schemas.microsoft.com/office/drawing/2014/main" id="{0C8286A3-C38B-8CA3-89AA-4D81D579E4BF}"/>
+                <a16:creationId xmlns:a16="http://schemas.microsoft.com/office/drawing/2014/main" id="{27E29B8C-73B8-9DFD-3B74-4248369B4068}"/>
               </a:ext>
             </a:extLst>
           </p:cNvPr>
@@ -783,7 +783,7 @@
           <p:cNvPr id="3" name="内容占位符 2">
             <a:extLst>
               <a:ext uri="{FF2B5EF4-FFF2-40B4-BE49-F238E27FC236}">
-                <a16:creationId xmlns:a16="http://schemas.microsoft.com/office/drawing/2014/main" id="{7A8D6801-B61A-828A-BB89-3DDACA08382F}"/>
+                <a16:creationId xmlns:a16="http://schemas.microsoft.com/office/drawing/2014/main" id="{64A0CF73-AFF3-2ED0-A30C-EAD994E4A3B2}"/>
               </a:ext>
             </a:extLst>
           </p:cNvPr>
@@ -840,7 +840,7 @@
           <p:cNvPr id="4" name="日期占位符 3">
             <a:extLst>
               <a:ext uri="{FF2B5EF4-FFF2-40B4-BE49-F238E27FC236}">
-                <a16:creationId xmlns:a16="http://schemas.microsoft.com/office/drawing/2014/main" id="{353760BD-476D-6DCE-E9AC-417E591C109E}"/>
+                <a16:creationId xmlns:a16="http://schemas.microsoft.com/office/drawing/2014/main" id="{6303F444-C0C8-8BAD-5287-EF2F4049D842}"/>
               </a:ext>
             </a:extLst>
           </p:cNvPr>
@@ -856,7 +856,7 @@
           <a:bodyPr/>
           <a:lstStyle/>
           <a:p>
-            <a:fld id="{0E700C68-368E-443E-967B-6F2332071E4F}" type="datetimeFigureOut">
+            <a:fld id="{C514E188-5BD0-4683-BECF-481A610F9154}" type="datetimeFigureOut">
               <a:rPr lang="zh-CN" altLang="en-US" smtClean="0"/>
               <a:t>2024/3/10</a:t>
             </a:fld>
@@ -869,7 +869,7 @@
           <p:cNvPr id="5" name="页脚占位符 4">
             <a:extLst>
               <a:ext uri="{FF2B5EF4-FFF2-40B4-BE49-F238E27FC236}">
-                <a16:creationId xmlns:a16="http://schemas.microsoft.com/office/drawing/2014/main" id="{A943BF26-8378-C8D6-3F7E-44E5E95E7239}"/>
+                <a16:creationId xmlns:a16="http://schemas.microsoft.com/office/drawing/2014/main" id="{79444465-969C-A9A0-7618-347A424D6CC1}"/>
               </a:ext>
             </a:extLst>
           </p:cNvPr>
@@ -894,7 +894,7 @@
           <p:cNvPr id="6" name="灯片编号占位符 5">
             <a:extLst>
               <a:ext uri="{FF2B5EF4-FFF2-40B4-BE49-F238E27FC236}">
-                <a16:creationId xmlns:a16="http://schemas.microsoft.com/office/drawing/2014/main" id="{0668746A-3847-84EA-C816-4E3BDBB8F9EF}"/>
+                <a16:creationId xmlns:a16="http://schemas.microsoft.com/office/drawing/2014/main" id="{19077E74-1E14-9E38-1B87-53E9F03152C0}"/>
               </a:ext>
             </a:extLst>
           </p:cNvPr>
@@ -910,7 +910,7 @@
           <a:bodyPr/>
           <a:lstStyle/>
           <a:p>
-            <a:fld id="{EE0076CA-6851-4162-98CB-856832D9BC6A}" type="slidenum">
+            <a:fld id="{C784B9A7-A7A7-4C1A-861B-C1CD1806C362}" type="slidenum">
               <a:rPr lang="zh-CN" altLang="en-US" smtClean="0"/>
               <a:t>‹#›</a:t>
             </a:fld>
@@ -921,7 +921,7 @@
     </p:spTree>
     <p:extLst>
       <p:ext uri="{BB962C8B-B14F-4D97-AF65-F5344CB8AC3E}">
-        <p14:creationId xmlns:p14="http://schemas.microsoft.com/office/powerpoint/2010/main" val="4034271437"/>
+        <p14:creationId xmlns:p14="http://schemas.microsoft.com/office/powerpoint/2010/main" val="3654423866"/>
       </p:ext>
     </p:extLst>
   </p:cSld>
@@ -953,7 +953,7 @@
           <p:cNvPr id="2" name="标题 1">
             <a:extLst>
               <a:ext uri="{FF2B5EF4-FFF2-40B4-BE49-F238E27FC236}">
-                <a16:creationId xmlns:a16="http://schemas.microsoft.com/office/drawing/2014/main" id="{B21F4A4F-8A87-9177-1D66-6A79664EA87D}"/>
+                <a16:creationId xmlns:a16="http://schemas.microsoft.com/office/drawing/2014/main" id="{A804797C-1F5E-363F-1576-96907A999411}"/>
               </a:ext>
             </a:extLst>
           </p:cNvPr>
@@ -990,7 +990,7 @@
           <p:cNvPr id="3" name="文本占位符 2">
             <a:extLst>
               <a:ext uri="{FF2B5EF4-FFF2-40B4-BE49-F238E27FC236}">
-                <a16:creationId xmlns:a16="http://schemas.microsoft.com/office/drawing/2014/main" id="{E65218BE-86DC-179F-2C0D-43947FCD5B5E}"/>
+                <a16:creationId xmlns:a16="http://schemas.microsoft.com/office/drawing/2014/main" id="{8754071F-FABE-1199-2871-54A0A8D09EF2}"/>
               </a:ext>
             </a:extLst>
           </p:cNvPr>
@@ -1115,7 +1115,7 @@
           <p:cNvPr id="4" name="日期占位符 3">
             <a:extLst>
               <a:ext uri="{FF2B5EF4-FFF2-40B4-BE49-F238E27FC236}">
-                <a16:creationId xmlns:a16="http://schemas.microsoft.com/office/drawing/2014/main" id="{8EA7FEA0-91DD-943B-2C13-0505BECAF81A}"/>
+                <a16:creationId xmlns:a16="http://schemas.microsoft.com/office/drawing/2014/main" id="{960CB0AB-3453-CD5A-096D-22360BD43314}"/>
               </a:ext>
             </a:extLst>
           </p:cNvPr>
@@ -1131,7 +1131,7 @@
           <a:bodyPr/>
           <a:lstStyle/>
           <a:p>
-            <a:fld id="{0E700C68-368E-443E-967B-6F2332071E4F}" type="datetimeFigureOut">
+            <a:fld id="{C514E188-5BD0-4683-BECF-481A610F9154}" type="datetimeFigureOut">
               <a:rPr lang="zh-CN" altLang="en-US" smtClean="0"/>
               <a:t>2024/3/10</a:t>
             </a:fld>
@@ -1144,7 +1144,7 @@
           <p:cNvPr id="5" name="页脚占位符 4">
             <a:extLst>
               <a:ext uri="{FF2B5EF4-FFF2-40B4-BE49-F238E27FC236}">
-                <a16:creationId xmlns:a16="http://schemas.microsoft.com/office/drawing/2014/main" id="{4752689C-FEBF-E366-1C0A-27F769BD09D8}"/>
+                <a16:creationId xmlns:a16="http://schemas.microsoft.com/office/drawing/2014/main" id="{41AE943D-E2AB-0E9C-E352-EBAFE114D648}"/>
               </a:ext>
             </a:extLst>
           </p:cNvPr>
@@ -1169,7 +1169,7 @@
           <p:cNvPr id="6" name="灯片编号占位符 5">
             <a:extLst>
               <a:ext uri="{FF2B5EF4-FFF2-40B4-BE49-F238E27FC236}">
-                <a16:creationId xmlns:a16="http://schemas.microsoft.com/office/drawing/2014/main" id="{79540E99-F24C-4611-360E-A3E7EE1ECC6B}"/>
+                <a16:creationId xmlns:a16="http://schemas.microsoft.com/office/drawing/2014/main" id="{69505861-9BDF-0E12-E5EA-A50A508C83F8}"/>
               </a:ext>
             </a:extLst>
           </p:cNvPr>
@@ -1185,7 +1185,7 @@
           <a:bodyPr/>
           <a:lstStyle/>
           <a:p>
-            <a:fld id="{EE0076CA-6851-4162-98CB-856832D9BC6A}" type="slidenum">
+            <a:fld id="{C784B9A7-A7A7-4C1A-861B-C1CD1806C362}" type="slidenum">
               <a:rPr lang="zh-CN" altLang="en-US" smtClean="0"/>
               <a:t>‹#›</a:t>
             </a:fld>
@@ -1196,7 +1196,7 @@
     </p:spTree>
     <p:extLst>
       <p:ext uri="{BB962C8B-B14F-4D97-AF65-F5344CB8AC3E}">
-        <p14:creationId xmlns:p14="http://schemas.microsoft.com/office/powerpoint/2010/main" val="3985813666"/>
+        <p14:creationId xmlns:p14="http://schemas.microsoft.com/office/powerpoint/2010/main" val="815684147"/>
       </p:ext>
     </p:extLst>
   </p:cSld>
@@ -1228,7 +1228,7 @@
           <p:cNvPr id="2" name="标题 1">
             <a:extLst>
               <a:ext uri="{FF2B5EF4-FFF2-40B4-BE49-F238E27FC236}">
-                <a16:creationId xmlns:a16="http://schemas.microsoft.com/office/drawing/2014/main" id="{9FE861A9-A98D-DCD9-E768-AD02EBB3E2AE}"/>
+                <a16:creationId xmlns:a16="http://schemas.microsoft.com/office/drawing/2014/main" id="{DCB79477-ECC7-4EAB-8B5A-51FF73BD2B83}"/>
               </a:ext>
             </a:extLst>
           </p:cNvPr>
@@ -1256,7 +1256,7 @@
           <p:cNvPr id="3" name="内容占位符 2">
             <a:extLst>
               <a:ext uri="{FF2B5EF4-FFF2-40B4-BE49-F238E27FC236}">
-                <a16:creationId xmlns:a16="http://schemas.microsoft.com/office/drawing/2014/main" id="{42C95C07-E493-1291-DAF9-47BF635EDF5C}"/>
+                <a16:creationId xmlns:a16="http://schemas.microsoft.com/office/drawing/2014/main" id="{B175A3F2-A7C1-A18C-9F2A-EC36650D5B51}"/>
               </a:ext>
             </a:extLst>
           </p:cNvPr>
@@ -1318,7 +1318,7 @@
           <p:cNvPr id="4" name="内容占位符 3">
             <a:extLst>
               <a:ext uri="{FF2B5EF4-FFF2-40B4-BE49-F238E27FC236}">
-                <a16:creationId xmlns:a16="http://schemas.microsoft.com/office/drawing/2014/main" id="{B50140EE-EADC-EB6F-E0F6-BD6453F700D8}"/>
+                <a16:creationId xmlns:a16="http://schemas.microsoft.com/office/drawing/2014/main" id="{0279DFE7-745B-5725-9EA6-B70C3180D4B7}"/>
               </a:ext>
             </a:extLst>
           </p:cNvPr>
@@ -1380,7 +1380,7 @@
           <p:cNvPr id="5" name="日期占位符 4">
             <a:extLst>
               <a:ext uri="{FF2B5EF4-FFF2-40B4-BE49-F238E27FC236}">
-                <a16:creationId xmlns:a16="http://schemas.microsoft.com/office/drawing/2014/main" id="{6DEDEF90-963B-505D-F170-3F6EF907B1D9}"/>
+                <a16:creationId xmlns:a16="http://schemas.microsoft.com/office/drawing/2014/main" id="{2762080E-C34D-D407-C945-60ECF799CCF3}"/>
               </a:ext>
             </a:extLst>
           </p:cNvPr>
@@ -1396,7 +1396,7 @@
           <a:bodyPr/>
           <a:lstStyle/>
           <a:p>
-            <a:fld id="{0E700C68-368E-443E-967B-6F2332071E4F}" type="datetimeFigureOut">
+            <a:fld id="{C514E188-5BD0-4683-BECF-481A610F9154}" type="datetimeFigureOut">
               <a:rPr lang="zh-CN" altLang="en-US" smtClean="0"/>
               <a:t>2024/3/10</a:t>
             </a:fld>
@@ -1409,7 +1409,7 @@
           <p:cNvPr id="6" name="页脚占位符 5">
             <a:extLst>
               <a:ext uri="{FF2B5EF4-FFF2-40B4-BE49-F238E27FC236}">
-                <a16:creationId xmlns:a16="http://schemas.microsoft.com/office/drawing/2014/main" id="{0EAAF74E-E163-A0ED-FFD8-CD143AFF1E24}"/>
+                <a16:creationId xmlns:a16="http://schemas.microsoft.com/office/drawing/2014/main" id="{E1093133-FE7A-5EDD-A8F9-6A28E1915444}"/>
               </a:ext>
             </a:extLst>
           </p:cNvPr>
@@ -1434,7 +1434,7 @@
           <p:cNvPr id="7" name="灯片编号占位符 6">
             <a:extLst>
               <a:ext uri="{FF2B5EF4-FFF2-40B4-BE49-F238E27FC236}">
-                <a16:creationId xmlns:a16="http://schemas.microsoft.com/office/drawing/2014/main" id="{5048E90A-398E-3FD2-8964-B7E7B8E4DB70}"/>
+                <a16:creationId xmlns:a16="http://schemas.microsoft.com/office/drawing/2014/main" id="{21397171-5757-CB13-3B59-859BAC8FCB19}"/>
               </a:ext>
             </a:extLst>
           </p:cNvPr>
@@ -1450,7 +1450,7 @@
           <a:bodyPr/>
           <a:lstStyle/>
           <a:p>
-            <a:fld id="{EE0076CA-6851-4162-98CB-856832D9BC6A}" type="slidenum">
+            <a:fld id="{C784B9A7-A7A7-4C1A-861B-C1CD1806C362}" type="slidenum">
               <a:rPr lang="zh-CN" altLang="en-US" smtClean="0"/>
               <a:t>‹#›</a:t>
             </a:fld>
@@ -1461,7 +1461,7 @@
     </p:spTree>
     <p:extLst>
       <p:ext uri="{BB962C8B-B14F-4D97-AF65-F5344CB8AC3E}">
-        <p14:creationId xmlns:p14="http://schemas.microsoft.com/office/powerpoint/2010/main" val="1949575124"/>
+        <p14:creationId xmlns:p14="http://schemas.microsoft.com/office/powerpoint/2010/main" val="442535208"/>
       </p:ext>
     </p:extLst>
   </p:cSld>
@@ -1493,7 +1493,7 @@
           <p:cNvPr id="2" name="标题 1">
             <a:extLst>
               <a:ext uri="{FF2B5EF4-FFF2-40B4-BE49-F238E27FC236}">
-                <a16:creationId xmlns:a16="http://schemas.microsoft.com/office/drawing/2014/main" id="{2C8DD09F-CF61-D32D-BF94-11AE4D16DD19}"/>
+                <a16:creationId xmlns:a16="http://schemas.microsoft.com/office/drawing/2014/main" id="{20DF9AE9-50E2-E37C-FFF4-DFE50448A905}"/>
               </a:ext>
             </a:extLst>
           </p:cNvPr>
@@ -1526,7 +1526,7 @@
           <p:cNvPr id="3" name="文本占位符 2">
             <a:extLst>
               <a:ext uri="{FF2B5EF4-FFF2-40B4-BE49-F238E27FC236}">
-                <a16:creationId xmlns:a16="http://schemas.microsoft.com/office/drawing/2014/main" id="{77FB7B09-3896-0DDD-4542-48D31CBF4515}"/>
+                <a16:creationId xmlns:a16="http://schemas.microsoft.com/office/drawing/2014/main" id="{4BA5070A-43CA-0A0C-27E8-C6D543FB4653}"/>
               </a:ext>
             </a:extLst>
           </p:cNvPr>
@@ -1597,7 +1597,7 @@
           <p:cNvPr id="4" name="内容占位符 3">
             <a:extLst>
               <a:ext uri="{FF2B5EF4-FFF2-40B4-BE49-F238E27FC236}">
-                <a16:creationId xmlns:a16="http://schemas.microsoft.com/office/drawing/2014/main" id="{32447A57-6DED-7FA6-5E76-B47396D0A65A}"/>
+                <a16:creationId xmlns:a16="http://schemas.microsoft.com/office/drawing/2014/main" id="{E3263B6B-CBB4-94F9-EF31-585B4A7B8B8B}"/>
               </a:ext>
             </a:extLst>
           </p:cNvPr>
@@ -1659,7 +1659,7 @@
           <p:cNvPr id="5" name="文本占位符 4">
             <a:extLst>
               <a:ext uri="{FF2B5EF4-FFF2-40B4-BE49-F238E27FC236}">
-                <a16:creationId xmlns:a16="http://schemas.microsoft.com/office/drawing/2014/main" id="{A165B1AE-ABB5-9E08-F868-65B1E5497B85}"/>
+                <a16:creationId xmlns:a16="http://schemas.microsoft.com/office/drawing/2014/main" id="{591861DE-7AF2-9A1E-E3B9-1546409786D3}"/>
               </a:ext>
             </a:extLst>
           </p:cNvPr>
@@ -1730,7 +1730,7 @@
           <p:cNvPr id="6" name="内容占位符 5">
             <a:extLst>
               <a:ext uri="{FF2B5EF4-FFF2-40B4-BE49-F238E27FC236}">
-                <a16:creationId xmlns:a16="http://schemas.microsoft.com/office/drawing/2014/main" id="{7C0CBA08-995E-B1DE-5C20-A179C3463ED1}"/>
+                <a16:creationId xmlns:a16="http://schemas.microsoft.com/office/drawing/2014/main" id="{56921B64-2937-192D-EBAA-7FFFD752CEA2}"/>
               </a:ext>
             </a:extLst>
           </p:cNvPr>
@@ -1792,7 +1792,7 @@
           <p:cNvPr id="7" name="日期占位符 6">
             <a:extLst>
               <a:ext uri="{FF2B5EF4-FFF2-40B4-BE49-F238E27FC236}">
-                <a16:creationId xmlns:a16="http://schemas.microsoft.com/office/drawing/2014/main" id="{40765B64-79BB-3F57-49E5-1BEECAA847AF}"/>
+                <a16:creationId xmlns:a16="http://schemas.microsoft.com/office/drawing/2014/main" id="{2A9F07EE-7E5E-773B-A988-C843DEAFB9A1}"/>
               </a:ext>
             </a:extLst>
           </p:cNvPr>
@@ -1808,7 +1808,7 @@
           <a:bodyPr/>
           <a:lstStyle/>
           <a:p>
-            <a:fld id="{0E700C68-368E-443E-967B-6F2332071E4F}" type="datetimeFigureOut">
+            <a:fld id="{C514E188-5BD0-4683-BECF-481A610F9154}" type="datetimeFigureOut">
               <a:rPr lang="zh-CN" altLang="en-US" smtClean="0"/>
               <a:t>2024/3/10</a:t>
             </a:fld>
@@ -1821,7 +1821,7 @@
           <p:cNvPr id="8" name="页脚占位符 7">
             <a:extLst>
               <a:ext uri="{FF2B5EF4-FFF2-40B4-BE49-F238E27FC236}">
-                <a16:creationId xmlns:a16="http://schemas.microsoft.com/office/drawing/2014/main" id="{E91104DF-B4EF-CB39-CB5B-7CEECEB16E59}"/>
+                <a16:creationId xmlns:a16="http://schemas.microsoft.com/office/drawing/2014/main" id="{65EA1044-DF98-5166-1629-B47968E1B139}"/>
               </a:ext>
             </a:extLst>
           </p:cNvPr>
@@ -1846,7 +1846,7 @@
           <p:cNvPr id="9" name="灯片编号占位符 8">
             <a:extLst>
               <a:ext uri="{FF2B5EF4-FFF2-40B4-BE49-F238E27FC236}">
-                <a16:creationId xmlns:a16="http://schemas.microsoft.com/office/drawing/2014/main" id="{DC55E68B-1320-C70C-B6F7-BEC44E596E9A}"/>
+                <a16:creationId xmlns:a16="http://schemas.microsoft.com/office/drawing/2014/main" id="{8D680CD7-BCAC-AD58-FAB3-18EB4550295D}"/>
               </a:ext>
             </a:extLst>
           </p:cNvPr>
@@ -1862,7 +1862,7 @@
           <a:bodyPr/>
           <a:lstStyle/>
           <a:p>
-            <a:fld id="{EE0076CA-6851-4162-98CB-856832D9BC6A}" type="slidenum">
+            <a:fld id="{C784B9A7-A7A7-4C1A-861B-C1CD1806C362}" type="slidenum">
               <a:rPr lang="zh-CN" altLang="en-US" smtClean="0"/>
               <a:t>‹#›</a:t>
             </a:fld>
@@ -1873,7 +1873,7 @@
     </p:spTree>
     <p:extLst>
       <p:ext uri="{BB962C8B-B14F-4D97-AF65-F5344CB8AC3E}">
-        <p14:creationId xmlns:p14="http://schemas.microsoft.com/office/powerpoint/2010/main" val="4238896308"/>
+        <p14:creationId xmlns:p14="http://schemas.microsoft.com/office/powerpoint/2010/main" val="1714887503"/>
       </p:ext>
     </p:extLst>
   </p:cSld>
@@ -1905,7 +1905,7 @@
           <p:cNvPr id="2" name="标题 1">
             <a:extLst>
               <a:ext uri="{FF2B5EF4-FFF2-40B4-BE49-F238E27FC236}">
-                <a16:creationId xmlns:a16="http://schemas.microsoft.com/office/drawing/2014/main" id="{8A3995D9-821E-2FF1-C614-7092743A920A}"/>
+                <a16:creationId xmlns:a16="http://schemas.microsoft.com/office/drawing/2014/main" id="{3B0D3960-9F41-868F-3039-B0E2B4D705C9}"/>
               </a:ext>
             </a:extLst>
           </p:cNvPr>
@@ -1933,7 +1933,7 @@
           <p:cNvPr id="3" name="日期占位符 2">
             <a:extLst>
               <a:ext uri="{FF2B5EF4-FFF2-40B4-BE49-F238E27FC236}">
-                <a16:creationId xmlns:a16="http://schemas.microsoft.com/office/drawing/2014/main" id="{FD7D72EE-805C-2277-9427-C77F0B8833B8}"/>
+                <a16:creationId xmlns:a16="http://schemas.microsoft.com/office/drawing/2014/main" id="{888403B5-203B-2750-8D43-7067B797C7E9}"/>
               </a:ext>
             </a:extLst>
           </p:cNvPr>
@@ -1949,7 +1949,7 @@
           <a:bodyPr/>
           <a:lstStyle/>
           <a:p>
-            <a:fld id="{0E700C68-368E-443E-967B-6F2332071E4F}" type="datetimeFigureOut">
+            <a:fld id="{C514E188-5BD0-4683-BECF-481A610F9154}" type="datetimeFigureOut">
               <a:rPr lang="zh-CN" altLang="en-US" smtClean="0"/>
               <a:t>2024/3/10</a:t>
             </a:fld>
@@ -1962,7 +1962,7 @@
           <p:cNvPr id="4" name="页脚占位符 3">
             <a:extLst>
               <a:ext uri="{FF2B5EF4-FFF2-40B4-BE49-F238E27FC236}">
-                <a16:creationId xmlns:a16="http://schemas.microsoft.com/office/drawing/2014/main" id="{3156242F-DB36-EAA5-61EA-CA65F9E88387}"/>
+                <a16:creationId xmlns:a16="http://schemas.microsoft.com/office/drawing/2014/main" id="{AFE8FC2B-34E2-0551-7F0F-34B0FD53B3DB}"/>
               </a:ext>
             </a:extLst>
           </p:cNvPr>
@@ -1987,7 +1987,7 @@
           <p:cNvPr id="5" name="灯片编号占位符 4">
             <a:extLst>
               <a:ext uri="{FF2B5EF4-FFF2-40B4-BE49-F238E27FC236}">
-                <a16:creationId xmlns:a16="http://schemas.microsoft.com/office/drawing/2014/main" id="{30F519D9-41AC-0C9A-C015-4ECA66FFF237}"/>
+                <a16:creationId xmlns:a16="http://schemas.microsoft.com/office/drawing/2014/main" id="{D93EB9AC-B061-CA54-E3B3-00C302AF228A}"/>
               </a:ext>
             </a:extLst>
           </p:cNvPr>
@@ -2003,7 +2003,7 @@
           <a:bodyPr/>
           <a:lstStyle/>
           <a:p>
-            <a:fld id="{EE0076CA-6851-4162-98CB-856832D9BC6A}" type="slidenum">
+            <a:fld id="{C784B9A7-A7A7-4C1A-861B-C1CD1806C362}" type="slidenum">
               <a:rPr lang="zh-CN" altLang="en-US" smtClean="0"/>
               <a:t>‹#›</a:t>
             </a:fld>
@@ -2014,7 +2014,7 @@
     </p:spTree>
     <p:extLst>
       <p:ext uri="{BB962C8B-B14F-4D97-AF65-F5344CB8AC3E}">
-        <p14:creationId xmlns:p14="http://schemas.microsoft.com/office/powerpoint/2010/main" val="2370405509"/>
+        <p14:creationId xmlns:p14="http://schemas.microsoft.com/office/powerpoint/2010/main" val="1194101823"/>
       </p:ext>
     </p:extLst>
   </p:cSld>
@@ -2046,7 +2046,7 @@
           <p:cNvPr id="2" name="日期占位符 1">
             <a:extLst>
               <a:ext uri="{FF2B5EF4-FFF2-40B4-BE49-F238E27FC236}">
-                <a16:creationId xmlns:a16="http://schemas.microsoft.com/office/drawing/2014/main" id="{FDF11DCC-CA26-E1CD-C134-41E2D8940288}"/>
+                <a16:creationId xmlns:a16="http://schemas.microsoft.com/office/drawing/2014/main" id="{439B49E2-5747-F82F-0FB2-CF138766EED2}"/>
               </a:ext>
             </a:extLst>
           </p:cNvPr>
@@ -2062,7 +2062,7 @@
           <a:bodyPr/>
           <a:lstStyle/>
           <a:p>
-            <a:fld id="{0E700C68-368E-443E-967B-6F2332071E4F}" type="datetimeFigureOut">
+            <a:fld id="{C514E188-5BD0-4683-BECF-481A610F9154}" type="datetimeFigureOut">
               <a:rPr lang="zh-CN" altLang="en-US" smtClean="0"/>
               <a:t>2024/3/10</a:t>
             </a:fld>
@@ -2075,7 +2075,7 @@
           <p:cNvPr id="3" name="页脚占位符 2">
             <a:extLst>
               <a:ext uri="{FF2B5EF4-FFF2-40B4-BE49-F238E27FC236}">
-                <a16:creationId xmlns:a16="http://schemas.microsoft.com/office/drawing/2014/main" id="{23F76CF3-3883-91AC-D791-D57D5E022AE1}"/>
+                <a16:creationId xmlns:a16="http://schemas.microsoft.com/office/drawing/2014/main" id="{C6B5D3B3-4A1B-0C00-151F-CC5404C2BE03}"/>
               </a:ext>
             </a:extLst>
           </p:cNvPr>
@@ -2100,7 +2100,7 @@
           <p:cNvPr id="4" name="灯片编号占位符 3">
             <a:extLst>
               <a:ext uri="{FF2B5EF4-FFF2-40B4-BE49-F238E27FC236}">
-                <a16:creationId xmlns:a16="http://schemas.microsoft.com/office/drawing/2014/main" id="{6AC13027-36B4-418D-28A7-255EE4B23715}"/>
+                <a16:creationId xmlns:a16="http://schemas.microsoft.com/office/drawing/2014/main" id="{00364104-89E0-123D-59E6-35C49E4C629A}"/>
               </a:ext>
             </a:extLst>
           </p:cNvPr>
@@ -2116,7 +2116,7 @@
           <a:bodyPr/>
           <a:lstStyle/>
           <a:p>
-            <a:fld id="{EE0076CA-6851-4162-98CB-856832D9BC6A}" type="slidenum">
+            <a:fld id="{C784B9A7-A7A7-4C1A-861B-C1CD1806C362}" type="slidenum">
               <a:rPr lang="zh-CN" altLang="en-US" smtClean="0"/>
               <a:t>‹#›</a:t>
             </a:fld>
@@ -2127,7 +2127,7 @@
     </p:spTree>
     <p:extLst>
       <p:ext uri="{BB962C8B-B14F-4D97-AF65-F5344CB8AC3E}">
-        <p14:creationId xmlns:p14="http://schemas.microsoft.com/office/powerpoint/2010/main" val="1742905500"/>
+        <p14:creationId xmlns:p14="http://schemas.microsoft.com/office/powerpoint/2010/main" val="1206200403"/>
       </p:ext>
     </p:extLst>
   </p:cSld>
@@ -2159,7 +2159,7 @@
           <p:cNvPr id="2" name="标题 1">
             <a:extLst>
               <a:ext uri="{FF2B5EF4-FFF2-40B4-BE49-F238E27FC236}">
-                <a16:creationId xmlns:a16="http://schemas.microsoft.com/office/drawing/2014/main" id="{19FA8F2A-F593-A0C1-669D-1B045882E8A3}"/>
+                <a16:creationId xmlns:a16="http://schemas.microsoft.com/office/drawing/2014/main" id="{9BC7905F-248A-366C-31A4-4D3FCA1251E9}"/>
               </a:ext>
             </a:extLst>
           </p:cNvPr>
@@ -2196,7 +2196,7 @@
           <p:cNvPr id="3" name="内容占位符 2">
             <a:extLst>
               <a:ext uri="{FF2B5EF4-FFF2-40B4-BE49-F238E27FC236}">
-                <a16:creationId xmlns:a16="http://schemas.microsoft.com/office/drawing/2014/main" id="{48E2EC08-A725-E489-A9D8-0EEDF388904F}"/>
+                <a16:creationId xmlns:a16="http://schemas.microsoft.com/office/drawing/2014/main" id="{00752E60-8D65-E570-C78E-02681EB36C21}"/>
               </a:ext>
             </a:extLst>
           </p:cNvPr>
@@ -2286,7 +2286,7 @@
           <p:cNvPr id="4" name="文本占位符 3">
             <a:extLst>
               <a:ext uri="{FF2B5EF4-FFF2-40B4-BE49-F238E27FC236}">
-                <a16:creationId xmlns:a16="http://schemas.microsoft.com/office/drawing/2014/main" id="{0FC7BFF6-EE57-6466-0635-2E6B2D38895E}"/>
+                <a16:creationId xmlns:a16="http://schemas.microsoft.com/office/drawing/2014/main" id="{8FAB84CF-9B88-144F-FC99-476099BCA93A}"/>
               </a:ext>
             </a:extLst>
           </p:cNvPr>
@@ -2357,7 +2357,7 @@
           <p:cNvPr id="5" name="日期占位符 4">
             <a:extLst>
               <a:ext uri="{FF2B5EF4-FFF2-40B4-BE49-F238E27FC236}">
-                <a16:creationId xmlns:a16="http://schemas.microsoft.com/office/drawing/2014/main" id="{4871CBEA-099C-78CA-E71B-1002BB7B0AF2}"/>
+                <a16:creationId xmlns:a16="http://schemas.microsoft.com/office/drawing/2014/main" id="{A508B881-31CA-1948-8703-11AB86D6AE91}"/>
               </a:ext>
             </a:extLst>
           </p:cNvPr>
@@ -2373,7 +2373,7 @@
           <a:bodyPr/>
           <a:lstStyle/>
           <a:p>
-            <a:fld id="{0E700C68-368E-443E-967B-6F2332071E4F}" type="datetimeFigureOut">
+            <a:fld id="{C514E188-5BD0-4683-BECF-481A610F9154}" type="datetimeFigureOut">
               <a:rPr lang="zh-CN" altLang="en-US" smtClean="0"/>
               <a:t>2024/3/10</a:t>
             </a:fld>
@@ -2386,7 +2386,7 @@
           <p:cNvPr id="6" name="页脚占位符 5">
             <a:extLst>
               <a:ext uri="{FF2B5EF4-FFF2-40B4-BE49-F238E27FC236}">
-                <a16:creationId xmlns:a16="http://schemas.microsoft.com/office/drawing/2014/main" id="{009EE461-E89D-4CAE-6C60-5E6AC92D7653}"/>
+                <a16:creationId xmlns:a16="http://schemas.microsoft.com/office/drawing/2014/main" id="{E8BD5AE1-5F3B-08E0-4B41-0F72D4D37004}"/>
               </a:ext>
             </a:extLst>
           </p:cNvPr>
@@ -2411,7 +2411,7 @@
           <p:cNvPr id="7" name="灯片编号占位符 6">
             <a:extLst>
               <a:ext uri="{FF2B5EF4-FFF2-40B4-BE49-F238E27FC236}">
-                <a16:creationId xmlns:a16="http://schemas.microsoft.com/office/drawing/2014/main" id="{B84A3F0E-FDFB-F4F3-86FE-61DB10C847CC}"/>
+                <a16:creationId xmlns:a16="http://schemas.microsoft.com/office/drawing/2014/main" id="{F005AE56-A3D8-252A-C7FA-44B38AC6618A}"/>
               </a:ext>
             </a:extLst>
           </p:cNvPr>
@@ -2427,7 +2427,7 @@
           <a:bodyPr/>
           <a:lstStyle/>
           <a:p>
-            <a:fld id="{EE0076CA-6851-4162-98CB-856832D9BC6A}" type="slidenum">
+            <a:fld id="{C784B9A7-A7A7-4C1A-861B-C1CD1806C362}" type="slidenum">
               <a:rPr lang="zh-CN" altLang="en-US" smtClean="0"/>
               <a:t>‹#›</a:t>
             </a:fld>
@@ -2438,7 +2438,7 @@
     </p:spTree>
     <p:extLst>
       <p:ext uri="{BB962C8B-B14F-4D97-AF65-F5344CB8AC3E}">
-        <p14:creationId xmlns:p14="http://schemas.microsoft.com/office/powerpoint/2010/main" val="3768571771"/>
+        <p14:creationId xmlns:p14="http://schemas.microsoft.com/office/powerpoint/2010/main" val="3237725651"/>
       </p:ext>
     </p:extLst>
   </p:cSld>
@@ -2470,7 +2470,7 @@
           <p:cNvPr id="2" name="标题 1">
             <a:extLst>
               <a:ext uri="{FF2B5EF4-FFF2-40B4-BE49-F238E27FC236}">
-                <a16:creationId xmlns:a16="http://schemas.microsoft.com/office/drawing/2014/main" id="{A1FF39E6-F7BA-6796-FBA6-6362FA8E09FC}"/>
+                <a16:creationId xmlns:a16="http://schemas.microsoft.com/office/drawing/2014/main" id="{DB0CEB31-C87C-827C-3D9F-796C2FDD8EA5}"/>
               </a:ext>
             </a:extLst>
           </p:cNvPr>
@@ -2507,7 +2507,7 @@
           <p:cNvPr id="3" name="图片占位符 2">
             <a:extLst>
               <a:ext uri="{FF2B5EF4-FFF2-40B4-BE49-F238E27FC236}">
-                <a16:creationId xmlns:a16="http://schemas.microsoft.com/office/drawing/2014/main" id="{5F1DC697-6B5B-8822-D511-D694A4EE2E33}"/>
+                <a16:creationId xmlns:a16="http://schemas.microsoft.com/office/drawing/2014/main" id="{C9E06016-C44E-3A0A-DAB4-7C96E5E09AE2}"/>
               </a:ext>
             </a:extLst>
           </p:cNvPr>
@@ -2574,7 +2574,7 @@
           <p:cNvPr id="4" name="文本占位符 3">
             <a:extLst>
               <a:ext uri="{FF2B5EF4-FFF2-40B4-BE49-F238E27FC236}">
-                <a16:creationId xmlns:a16="http://schemas.microsoft.com/office/drawing/2014/main" id="{56F0C8E3-CD5C-1E6F-23FC-54F4376D8E74}"/>
+                <a16:creationId xmlns:a16="http://schemas.microsoft.com/office/drawing/2014/main" id="{EA0AE1BF-FB14-2AD9-958F-456846F944B4}"/>
               </a:ext>
             </a:extLst>
           </p:cNvPr>
@@ -2645,7 +2645,7 @@
           <p:cNvPr id="5" name="日期占位符 4">
             <a:extLst>
               <a:ext uri="{FF2B5EF4-FFF2-40B4-BE49-F238E27FC236}">
-                <a16:creationId xmlns:a16="http://schemas.microsoft.com/office/drawing/2014/main" id="{1EE7B71B-4BB0-9732-F1D3-768EF17CE3D0}"/>
+                <a16:creationId xmlns:a16="http://schemas.microsoft.com/office/drawing/2014/main" id="{69DE3363-783C-67FC-6C22-9C584285C719}"/>
               </a:ext>
             </a:extLst>
           </p:cNvPr>
@@ -2661,7 +2661,7 @@
           <a:bodyPr/>
           <a:lstStyle/>
           <a:p>
-            <a:fld id="{0E700C68-368E-443E-967B-6F2332071E4F}" type="datetimeFigureOut">
+            <a:fld id="{C514E188-5BD0-4683-BECF-481A610F9154}" type="datetimeFigureOut">
               <a:rPr lang="zh-CN" altLang="en-US" smtClean="0"/>
               <a:t>2024/3/10</a:t>
             </a:fld>
@@ -2674,7 +2674,7 @@
           <p:cNvPr id="6" name="页脚占位符 5">
             <a:extLst>
               <a:ext uri="{FF2B5EF4-FFF2-40B4-BE49-F238E27FC236}">
-                <a16:creationId xmlns:a16="http://schemas.microsoft.com/office/drawing/2014/main" id="{55421BA2-AA24-6091-59E1-54432A23B7FE}"/>
+                <a16:creationId xmlns:a16="http://schemas.microsoft.com/office/drawing/2014/main" id="{CA2A6163-4C30-4C01-F848-67CF893D761E}"/>
               </a:ext>
             </a:extLst>
           </p:cNvPr>
@@ -2699,7 +2699,7 @@
           <p:cNvPr id="7" name="灯片编号占位符 6">
             <a:extLst>
               <a:ext uri="{FF2B5EF4-FFF2-40B4-BE49-F238E27FC236}">
-                <a16:creationId xmlns:a16="http://schemas.microsoft.com/office/drawing/2014/main" id="{6CC92FDD-06D4-45D7-005B-B868164C3699}"/>
+                <a16:creationId xmlns:a16="http://schemas.microsoft.com/office/drawing/2014/main" id="{349DA531-88FE-6F2F-1628-651DC3EFB431}"/>
               </a:ext>
             </a:extLst>
           </p:cNvPr>
@@ -2715,7 +2715,7 @@
           <a:bodyPr/>
           <a:lstStyle/>
           <a:p>
-            <a:fld id="{EE0076CA-6851-4162-98CB-856832D9BC6A}" type="slidenum">
+            <a:fld id="{C784B9A7-A7A7-4C1A-861B-C1CD1806C362}" type="slidenum">
               <a:rPr lang="zh-CN" altLang="en-US" smtClean="0"/>
               <a:t>‹#›</a:t>
             </a:fld>
@@ -2726,7 +2726,7 @@
     </p:spTree>
     <p:extLst>
       <p:ext uri="{BB962C8B-B14F-4D97-AF65-F5344CB8AC3E}">
-        <p14:creationId xmlns:p14="http://schemas.microsoft.com/office/powerpoint/2010/main" val="1544234299"/>
+        <p14:creationId xmlns:p14="http://schemas.microsoft.com/office/powerpoint/2010/main" val="2715455703"/>
       </p:ext>
     </p:extLst>
   </p:cSld>
@@ -2763,7 +2763,7 @@
           <p:cNvPr id="2" name="标题占位符 1">
             <a:extLst>
               <a:ext uri="{FF2B5EF4-FFF2-40B4-BE49-F238E27FC236}">
-                <a16:creationId xmlns:a16="http://schemas.microsoft.com/office/drawing/2014/main" id="{8A4C7B60-9C8D-D1D6-C695-F2E384D7B529}"/>
+                <a16:creationId xmlns:a16="http://schemas.microsoft.com/office/drawing/2014/main" id="{1BD0A1AA-F66F-ECD5-8B42-DC740A23AF40}"/>
               </a:ext>
             </a:extLst>
           </p:cNvPr>
@@ -2801,7 +2801,7 @@
           <p:cNvPr id="3" name="文本占位符 2">
             <a:extLst>
               <a:ext uri="{FF2B5EF4-FFF2-40B4-BE49-F238E27FC236}">
-                <a16:creationId xmlns:a16="http://schemas.microsoft.com/office/drawing/2014/main" id="{58D064B3-E5FB-AC41-776D-B6018DB9CE02}"/>
+                <a16:creationId xmlns:a16="http://schemas.microsoft.com/office/drawing/2014/main" id="{30BA55FC-0F3C-9B70-8C9B-DE648A1B91BF}"/>
               </a:ext>
             </a:extLst>
           </p:cNvPr>
@@ -2868,7 +2868,7 @@
           <p:cNvPr id="4" name="日期占位符 3">
             <a:extLst>
               <a:ext uri="{FF2B5EF4-FFF2-40B4-BE49-F238E27FC236}">
-                <a16:creationId xmlns:a16="http://schemas.microsoft.com/office/drawing/2014/main" id="{221BCE86-C41E-6FB0-DE17-FB5FA2B8BDE6}"/>
+                <a16:creationId xmlns:a16="http://schemas.microsoft.com/office/drawing/2014/main" id="{7A728DED-C46C-D2B0-9D55-81C943616B04}"/>
               </a:ext>
             </a:extLst>
           </p:cNvPr>
@@ -2902,7 +2902,7 @@
             </a:lvl1pPr>
           </a:lstStyle>
           <a:p>
-            <a:fld id="{0E700C68-368E-443E-967B-6F2332071E4F}" type="datetimeFigureOut">
+            <a:fld id="{C514E188-5BD0-4683-BECF-481A610F9154}" type="datetimeFigureOut">
               <a:rPr lang="zh-CN" altLang="en-US" smtClean="0"/>
               <a:t>2024/3/10</a:t>
             </a:fld>
@@ -2915,7 +2915,7 @@
           <p:cNvPr id="5" name="页脚占位符 4">
             <a:extLst>
               <a:ext uri="{FF2B5EF4-FFF2-40B4-BE49-F238E27FC236}">
-                <a16:creationId xmlns:a16="http://schemas.microsoft.com/office/drawing/2014/main" id="{010CBA0C-637F-F92C-B673-E79AF45E5B1F}"/>
+                <a16:creationId xmlns:a16="http://schemas.microsoft.com/office/drawing/2014/main" id="{15B3BDA0-705F-3373-1A05-CF703A70740D}"/>
               </a:ext>
             </a:extLst>
           </p:cNvPr>
@@ -2958,7 +2958,7 @@
           <p:cNvPr id="6" name="灯片编号占位符 5">
             <a:extLst>
               <a:ext uri="{FF2B5EF4-FFF2-40B4-BE49-F238E27FC236}">
-                <a16:creationId xmlns:a16="http://schemas.microsoft.com/office/drawing/2014/main" id="{FD0AF154-FE31-7AB6-D3EC-B1357F9C80C1}"/>
+                <a16:creationId xmlns:a16="http://schemas.microsoft.com/office/drawing/2014/main" id="{95C3AA9C-F4C4-9F16-161C-5AF1FCC51CB1}"/>
               </a:ext>
             </a:extLst>
           </p:cNvPr>
@@ -2992,7 +2992,7 @@
             </a:lvl1pPr>
           </a:lstStyle>
           <a:p>
-            <a:fld id="{EE0076CA-6851-4162-98CB-856832D9BC6A}" type="slidenum">
+            <a:fld id="{C784B9A7-A7A7-4C1A-861B-C1CD1806C362}" type="slidenum">
               <a:rPr lang="zh-CN" altLang="en-US" smtClean="0"/>
               <a:t>‹#›</a:t>
             </a:fld>
@@ -3003,7 +3003,7 @@
     </p:spTree>
     <p:extLst>
       <p:ext uri="{BB962C8B-B14F-4D97-AF65-F5344CB8AC3E}">
-        <p14:creationId xmlns:p14="http://schemas.microsoft.com/office/powerpoint/2010/main" val="1309730397"/>
+        <p14:creationId xmlns:p14="http://schemas.microsoft.com/office/powerpoint/2010/main" val="3031878328"/>
       </p:ext>
     </p:extLst>
   </p:cSld>
